--- a/pptx/IMPESmethod.pptx
+++ b/pptx/IMPESmethod.pptx
@@ -149,7 +149,7 @@
 <file path=ppt/revisionInfo.xml><?xml version="1.0" encoding="utf-8"?>
 <p1510:revInfo xmlns:a="http://schemas.openxmlformats.org/drawingml/2006/main" xmlns:r="http://schemas.openxmlformats.org/officeDocument/2006/relationships" xmlns:p1510="http://schemas.microsoft.com/office/powerpoint/2015/10/main">
   <p1510:revLst>
-    <p1510:client id="{856BF87E-E0E8-4254-81CC-BD4D380BEFD0}" v="686" dt="2022-10-29T04:02:06.171"/>
+    <p1510:client id="{9F91329C-1CF6-49C3-AA5F-8096EFCEC964}" v="1" dt="2022-10-31T10:23:19.877"/>
   </p1510:revLst>
 </p1510:revInfo>
 </file>
@@ -2216,6 +2216,130 @@
       </pc:sldMasterChg>
     </pc:docChg>
   </pc:docChgLst>
+  <pc:docChgLst>
+    <pc:chgData name="hirose taichi" userId="ed2dc4b0-8795-4813-ada8-f41a239e7d7d" providerId="ADAL" clId="{9F91329C-1CF6-49C3-AA5F-8096EFCEC964}"/>
+    <pc:docChg chg="undo custSel modSld">
+      <pc:chgData name="hirose taichi" userId="ed2dc4b0-8795-4813-ada8-f41a239e7d7d" providerId="ADAL" clId="{9F91329C-1CF6-49C3-AA5F-8096EFCEC964}" dt="2022-10-31T10:29:31.310" v="174" actId="14100"/>
+      <pc:docMkLst>
+        <pc:docMk/>
+      </pc:docMkLst>
+      <pc:sldChg chg="modSp mod">
+        <pc:chgData name="hirose taichi" userId="ed2dc4b0-8795-4813-ada8-f41a239e7d7d" providerId="ADAL" clId="{9F91329C-1CF6-49C3-AA5F-8096EFCEC964}" dt="2022-10-31T10:24:48.822" v="117" actId="14100"/>
+        <pc:sldMkLst>
+          <pc:docMk/>
+          <pc:sldMk cId="282841257" sldId="412"/>
+        </pc:sldMkLst>
+        <pc:spChg chg="mod">
+          <ac:chgData name="hirose taichi" userId="ed2dc4b0-8795-4813-ada8-f41a239e7d7d" providerId="ADAL" clId="{9F91329C-1CF6-49C3-AA5F-8096EFCEC964}" dt="2022-10-31T10:24:48.822" v="117" actId="14100"/>
+          <ac:spMkLst>
+            <pc:docMk/>
+            <pc:sldMk cId="282841257" sldId="412"/>
+            <ac:spMk id="24" creationId="{7B96C3D1-02AA-4975-8B1F-289D4F3ADA98}"/>
+          </ac:spMkLst>
+        </pc:spChg>
+      </pc:sldChg>
+      <pc:sldChg chg="modSp mod">
+        <pc:chgData name="hirose taichi" userId="ed2dc4b0-8795-4813-ada8-f41a239e7d7d" providerId="ADAL" clId="{9F91329C-1CF6-49C3-AA5F-8096EFCEC964}" dt="2022-10-31T10:27:11.720" v="171" actId="170"/>
+        <pc:sldMkLst>
+          <pc:docMk/>
+          <pc:sldMk cId="4247633511" sldId="415"/>
+        </pc:sldMkLst>
+        <pc:spChg chg="mod ord">
+          <ac:chgData name="hirose taichi" userId="ed2dc4b0-8795-4813-ada8-f41a239e7d7d" providerId="ADAL" clId="{9F91329C-1CF6-49C3-AA5F-8096EFCEC964}" dt="2022-10-31T10:27:11.720" v="171" actId="170"/>
+          <ac:spMkLst>
+            <pc:docMk/>
+            <pc:sldMk cId="4247633511" sldId="415"/>
+            <ac:spMk id="8" creationId="{7F3EE70D-555E-4015-BF16-678974A74AE0}"/>
+          </ac:spMkLst>
+        </pc:spChg>
+        <pc:spChg chg="ord">
+          <ac:chgData name="hirose taichi" userId="ed2dc4b0-8795-4813-ada8-f41a239e7d7d" providerId="ADAL" clId="{9F91329C-1CF6-49C3-AA5F-8096EFCEC964}" dt="2022-10-31T10:27:08.072" v="164" actId="170"/>
+          <ac:spMkLst>
+            <pc:docMk/>
+            <pc:sldMk cId="4247633511" sldId="415"/>
+            <ac:spMk id="31" creationId="{1C9F78E4-642C-4686-963D-575704CDBE9E}"/>
+          </ac:spMkLst>
+        </pc:spChg>
+      </pc:sldChg>
+      <pc:sldChg chg="modSp mod">
+        <pc:chgData name="hirose taichi" userId="ed2dc4b0-8795-4813-ada8-f41a239e7d7d" providerId="ADAL" clId="{9F91329C-1CF6-49C3-AA5F-8096EFCEC964}" dt="2022-10-31T10:24:36.934" v="115" actId="14100"/>
+        <pc:sldMkLst>
+          <pc:docMk/>
+          <pc:sldMk cId="607085936" sldId="416"/>
+        </pc:sldMkLst>
+        <pc:spChg chg="mod">
+          <ac:chgData name="hirose taichi" userId="ed2dc4b0-8795-4813-ada8-f41a239e7d7d" providerId="ADAL" clId="{9F91329C-1CF6-49C3-AA5F-8096EFCEC964}" dt="2022-10-31T10:22:13.498" v="0" actId="20577"/>
+          <ac:spMkLst>
+            <pc:docMk/>
+            <pc:sldMk cId="607085936" sldId="416"/>
+            <ac:spMk id="43" creationId="{BDA08E82-CE60-47AC-BF4F-3731EA39B93D}"/>
+          </ac:spMkLst>
+        </pc:spChg>
+        <pc:spChg chg="mod">
+          <ac:chgData name="hirose taichi" userId="ed2dc4b0-8795-4813-ada8-f41a239e7d7d" providerId="ADAL" clId="{9F91329C-1CF6-49C3-AA5F-8096EFCEC964}" dt="2022-10-31T10:24:36.934" v="115" actId="14100"/>
+          <ac:spMkLst>
+            <pc:docMk/>
+            <pc:sldMk cId="607085936" sldId="416"/>
+            <ac:spMk id="44" creationId="{CEE11757-F51F-4533-B3F5-FE6586F0C44E}"/>
+          </ac:spMkLst>
+        </pc:spChg>
+      </pc:sldChg>
+      <pc:sldChg chg="modSp mod">
+        <pc:chgData name="hirose taichi" userId="ed2dc4b0-8795-4813-ada8-f41a239e7d7d" providerId="ADAL" clId="{9F91329C-1CF6-49C3-AA5F-8096EFCEC964}" dt="2022-10-31T10:29:31.310" v="174" actId="14100"/>
+        <pc:sldMkLst>
+          <pc:docMk/>
+          <pc:sldMk cId="3010080662" sldId="419"/>
+        </pc:sldMkLst>
+        <pc:picChg chg="mod">
+          <ac:chgData name="hirose taichi" userId="ed2dc4b0-8795-4813-ada8-f41a239e7d7d" providerId="ADAL" clId="{9F91329C-1CF6-49C3-AA5F-8096EFCEC964}" dt="2022-10-31T10:29:31.310" v="174" actId="14100"/>
+          <ac:picMkLst>
+            <pc:docMk/>
+            <pc:sldMk cId="3010080662" sldId="419"/>
+            <ac:picMk id="11" creationId="{150C2E9A-820D-431E-901B-D6CEA60D9192}"/>
+          </ac:picMkLst>
+        </pc:picChg>
+      </pc:sldChg>
+      <pc:sldChg chg="addSp modSp mod">
+        <pc:chgData name="hirose taichi" userId="ed2dc4b0-8795-4813-ada8-f41a239e7d7d" providerId="ADAL" clId="{9F91329C-1CF6-49C3-AA5F-8096EFCEC964}" dt="2022-10-31T10:29:26.366" v="173" actId="14100"/>
+        <pc:sldMkLst>
+          <pc:docMk/>
+          <pc:sldMk cId="881839197" sldId="421"/>
+        </pc:sldMkLst>
+        <pc:spChg chg="mod">
+          <ac:chgData name="hirose taichi" userId="ed2dc4b0-8795-4813-ada8-f41a239e7d7d" providerId="ADAL" clId="{9F91329C-1CF6-49C3-AA5F-8096EFCEC964}" dt="2022-10-31T10:24:07.996" v="114" actId="207"/>
+          <ac:spMkLst>
+            <pc:docMk/>
+            <pc:sldMk cId="881839197" sldId="421"/>
+            <ac:spMk id="2" creationId="{C2F241EE-E4BF-4D97-BA09-BDBD347F020B}"/>
+          </ac:spMkLst>
+        </pc:spChg>
+        <pc:picChg chg="mod">
+          <ac:chgData name="hirose taichi" userId="ed2dc4b0-8795-4813-ada8-f41a239e7d7d" providerId="ADAL" clId="{9F91329C-1CF6-49C3-AA5F-8096EFCEC964}" dt="2022-10-31T10:29:26.366" v="173" actId="14100"/>
+          <ac:picMkLst>
+            <pc:docMk/>
+            <pc:sldMk cId="881839197" sldId="421"/>
+            <ac:picMk id="11" creationId="{150C2E9A-820D-431E-901B-D6CEA60D9192}"/>
+          </ac:picMkLst>
+        </pc:picChg>
+        <pc:cxnChg chg="add mod">
+          <ac:chgData name="hirose taichi" userId="ed2dc4b0-8795-4813-ada8-f41a239e7d7d" providerId="ADAL" clId="{9F91329C-1CF6-49C3-AA5F-8096EFCEC964}" dt="2022-10-31T10:23:18.494" v="51" actId="1076"/>
+          <ac:cxnSpMkLst>
+            <pc:docMk/>
+            <pc:sldMk cId="881839197" sldId="421"/>
+            <ac:cxnSpMk id="5" creationId="{C5568A02-F7FB-4595-B03D-6B37B52249A2}"/>
+          </ac:cxnSpMkLst>
+        </pc:cxnChg>
+        <pc:cxnChg chg="add mod">
+          <ac:chgData name="hirose taichi" userId="ed2dc4b0-8795-4813-ada8-f41a239e7d7d" providerId="ADAL" clId="{9F91329C-1CF6-49C3-AA5F-8096EFCEC964}" dt="2022-10-31T10:23:24.990" v="53" actId="1076"/>
+          <ac:cxnSpMkLst>
+            <pc:docMk/>
+            <pc:sldMk cId="881839197" sldId="421"/>
+            <ac:cxnSpMk id="7" creationId="{DA1108B4-A0A2-48D4-85A1-74516F1E6223}"/>
+          </ac:cxnSpMkLst>
+        </pc:cxnChg>
+      </pc:sldChg>
+    </pc:docChg>
+  </pc:docChgLst>
 </pc:chgInfo>
 </file>
 
@@ -2301,7 +2425,7 @@
           <a:p>
             <a:fld id="{5186C602-ADD5-904C-8024-0435CAED47E2}" type="datetimeFigureOut">
               <a:rPr kumimoji="1" lang="ja-JP" altLang="en-US" smtClean="0"/>
-              <a:t>2022/10/30</a:t>
+              <a:t>2022/10/31</a:t>
             </a:fld>
             <a:endParaRPr kumimoji="1" lang="ja-JP" altLang="en-US"/>
           </a:p>
@@ -6285,8 +6409,8 @@
         </p:blipFill>
         <p:spPr>
           <a:xfrm>
-            <a:off x="1389945" y="1513034"/>
-            <a:ext cx="9412110" cy="4905497"/>
+            <a:off x="1389945" y="1636699"/>
+            <a:ext cx="9412110" cy="4781832"/>
           </a:xfrm>
         </p:spPr>
       </p:pic>
@@ -6426,8 +6550,8 @@
         </p:blipFill>
         <p:spPr>
           <a:xfrm>
-            <a:off x="1389945" y="1513034"/>
-            <a:ext cx="9412110" cy="4905497"/>
+            <a:off x="1389945" y="1644383"/>
+            <a:ext cx="9412110" cy="4774148"/>
           </a:xfrm>
         </p:spPr>
       </p:pic>
@@ -6453,16 +6577,12 @@
           <a:lstStyle/>
           <a:p>
             <a:r>
-              <a:rPr kumimoji="1" lang="ja-JP" altLang="en-US" dirty="0"/>
-              <a:t>容積係数 </a:t>
-            </a:r>
-            <a:r>
-              <a:rPr kumimoji="1" lang="en-US" altLang="ja-JP" dirty="0"/>
-              <a:t>/ </a:t>
-            </a:r>
-            <a:r>
-              <a:rPr kumimoji="1" lang="ja-JP" altLang="en-US" dirty="0"/>
-              <a:t>溶解ガス油比は圧力に依存</a:t>
+              <a:rPr kumimoji="1" lang="ja-JP" altLang="en-US" dirty="0">
+                <a:solidFill>
+                  <a:srgbClr val="FF0000"/>
+                </a:solidFill>
+              </a:rPr>
+              <a:t>沸点圧力以下になると油からガスが発生</a:t>
             </a:r>
           </a:p>
         </p:txBody>
@@ -6508,6 +6628,98 @@
           </a:p>
         </p:txBody>
       </p:sp>
+      <p:cxnSp>
+        <p:nvCxnSpPr>
+          <p:cNvPr id="5" name="直線コネクタ 4">
+            <a:extLst>
+              <a:ext uri="{FF2B5EF4-FFF2-40B4-BE49-F238E27FC236}">
+                <a16:creationId xmlns:a16="http://schemas.microsoft.com/office/drawing/2014/main" id="{C5568A02-F7FB-4595-B03D-6B37B52249A2}"/>
+              </a:ext>
+            </a:extLst>
+          </p:cNvPr>
+          <p:cNvCxnSpPr>
+            <a:cxnSpLocks/>
+          </p:cNvCxnSpPr>
+          <p:nvPr/>
+        </p:nvCxnSpPr>
+        <p:spPr>
+          <a:xfrm>
+            <a:off x="4151695" y="2219782"/>
+            <a:ext cx="244" cy="3492000"/>
+          </a:xfrm>
+          <a:prstGeom prst="line">
+            <a:avLst/>
+          </a:prstGeom>
+          <a:ln w="38100">
+            <a:solidFill>
+              <a:srgbClr val="FF0000"/>
+            </a:solidFill>
+            <a:prstDash val="sysDash"/>
+            <a:headEnd type="none" w="med" len="med"/>
+            <a:tailEnd type="none" w="med" len="med"/>
+          </a:ln>
+        </p:spPr>
+        <p:style>
+          <a:lnRef idx="1">
+            <a:schemeClr val="accent1"/>
+          </a:lnRef>
+          <a:fillRef idx="0">
+            <a:schemeClr val="accent1"/>
+          </a:fillRef>
+          <a:effectRef idx="0">
+            <a:schemeClr val="accent1"/>
+          </a:effectRef>
+          <a:fontRef idx="minor">
+            <a:schemeClr val="tx1"/>
+          </a:fontRef>
+        </p:style>
+      </p:cxnSp>
+      <p:cxnSp>
+        <p:nvCxnSpPr>
+          <p:cNvPr id="7" name="直線コネクタ 6">
+            <a:extLst>
+              <a:ext uri="{FF2B5EF4-FFF2-40B4-BE49-F238E27FC236}">
+                <a16:creationId xmlns:a16="http://schemas.microsoft.com/office/drawing/2014/main" id="{DA1108B4-A0A2-48D4-85A1-74516F1E6223}"/>
+              </a:ext>
+            </a:extLst>
+          </p:cNvPr>
+          <p:cNvCxnSpPr>
+            <a:cxnSpLocks/>
+          </p:cNvCxnSpPr>
+          <p:nvPr/>
+        </p:nvCxnSpPr>
+        <p:spPr>
+          <a:xfrm>
+            <a:off x="8829991" y="2206335"/>
+            <a:ext cx="244" cy="3492000"/>
+          </a:xfrm>
+          <a:prstGeom prst="line">
+            <a:avLst/>
+          </a:prstGeom>
+          <a:ln w="38100">
+            <a:solidFill>
+              <a:srgbClr val="FF0000"/>
+            </a:solidFill>
+            <a:prstDash val="sysDash"/>
+            <a:headEnd type="none" w="med" len="med"/>
+            <a:tailEnd type="none" w="med" len="med"/>
+          </a:ln>
+        </p:spPr>
+        <p:style>
+          <a:lnRef idx="1">
+            <a:schemeClr val="accent1"/>
+          </a:lnRef>
+          <a:fillRef idx="0">
+            <a:schemeClr val="accent1"/>
+          </a:fillRef>
+          <a:effectRef idx="0">
+            <a:schemeClr val="accent1"/>
+          </a:effectRef>
+          <a:fontRef idx="minor">
+            <a:schemeClr val="tx1"/>
+          </a:fontRef>
+        </p:style>
+      </p:cxnSp>
     </p:spTree>
     <p:extLst>
       <p:ext uri="{BB962C8B-B14F-4D97-AF65-F5344CB8AC3E}">
@@ -10573,86 +10785,6 @@
       </p:cxnSp>
       <p:sp>
         <p:nvSpPr>
-          <p:cNvPr id="8" name="正方形/長方形 7">
-            <a:extLst>
-              <a:ext uri="{FF2B5EF4-FFF2-40B4-BE49-F238E27FC236}">
-                <a16:creationId xmlns:a16="http://schemas.microsoft.com/office/drawing/2014/main" id="{7F3EE70D-555E-4015-BF16-678974A74AE0}"/>
-              </a:ext>
-            </a:extLst>
-          </p:cNvPr>
-          <p:cNvSpPr/>
-          <p:nvPr/>
-        </p:nvSpPr>
-        <p:spPr>
-          <a:xfrm>
-            <a:off x="7022559" y="2211947"/>
-            <a:ext cx="1765460" cy="929673"/>
-          </a:xfrm>
-          <a:prstGeom prst="rect">
-            <a:avLst/>
-          </a:prstGeom>
-          <a:solidFill>
-            <a:schemeClr val="accent5"/>
-          </a:solidFill>
-          <a:ln w="19050">
-            <a:noFill/>
-            <a:headEnd type="none" w="med" len="med"/>
-            <a:tailEnd type="none" w="med" len="med"/>
-          </a:ln>
-        </p:spPr>
-        <p:style>
-          <a:lnRef idx="1">
-            <a:schemeClr val="accent1"/>
-          </a:lnRef>
-          <a:fillRef idx="0">
-            <a:schemeClr val="accent1"/>
-          </a:fillRef>
-          <a:effectRef idx="0">
-            <a:schemeClr val="accent1"/>
-          </a:effectRef>
-          <a:fontRef idx="minor">
-            <a:schemeClr val="tx1"/>
-          </a:fontRef>
-        </p:style>
-        <p:txBody>
-          <a:bodyPr rtlCol="0" anchor="ctr"/>
-          <a:lstStyle/>
-          <a:p>
-            <a:pPr algn="ctr"/>
-            <a:r>
-              <a:rPr lang="ja-JP" altLang="en-US" sz="2400" b="1" dirty="0">
-                <a:solidFill>
-                  <a:schemeClr val="bg1"/>
-                </a:solidFill>
-              </a:rPr>
-              <a:t>水</a:t>
-            </a:r>
-            <a:r>
-              <a:rPr kumimoji="1" lang="en-US" altLang="ja-JP" sz="2400" b="1" dirty="0">
-                <a:solidFill>
-                  <a:schemeClr val="bg1"/>
-                </a:solidFill>
-              </a:rPr>
-              <a:t>@</a:t>
-            </a:r>
-            <a:r>
-              <a:rPr lang="ja-JP" altLang="en-US" sz="2400" b="1" dirty="0">
-                <a:solidFill>
-                  <a:schemeClr val="bg1"/>
-                </a:solidFill>
-              </a:rPr>
-              <a:t>地表</a:t>
-            </a:r>
-            <a:endParaRPr kumimoji="1" lang="ja-JP" altLang="en-US" sz="2400" b="1" dirty="0">
-              <a:solidFill>
-                <a:schemeClr val="bg1"/>
-              </a:solidFill>
-            </a:endParaRPr>
-          </a:p>
-        </p:txBody>
-      </p:sp>
-      <p:sp>
-        <p:nvSpPr>
           <p:cNvPr id="25" name="正方形/長方形 24">
             <a:extLst>
               <a:ext uri="{FF2B5EF4-FFF2-40B4-BE49-F238E27FC236}">
@@ -11065,6 +11197,86 @@
                   <a:lumMod val="75000"/>
                   <a:lumOff val="25000"/>
                 </a:schemeClr>
+              </a:solidFill>
+            </a:endParaRPr>
+          </a:p>
+        </p:txBody>
+      </p:sp>
+      <p:sp>
+        <p:nvSpPr>
+          <p:cNvPr id="8" name="正方形/長方形 7">
+            <a:extLst>
+              <a:ext uri="{FF2B5EF4-FFF2-40B4-BE49-F238E27FC236}">
+                <a16:creationId xmlns:a16="http://schemas.microsoft.com/office/drawing/2014/main" id="{7F3EE70D-555E-4015-BF16-678974A74AE0}"/>
+              </a:ext>
+            </a:extLst>
+          </p:cNvPr>
+          <p:cNvSpPr/>
+          <p:nvPr/>
+        </p:nvSpPr>
+        <p:spPr>
+          <a:xfrm>
+            <a:off x="7038072" y="2256901"/>
+            <a:ext cx="1765460" cy="929673"/>
+          </a:xfrm>
+          <a:prstGeom prst="rect">
+            <a:avLst/>
+          </a:prstGeom>
+          <a:solidFill>
+            <a:schemeClr val="accent5"/>
+          </a:solidFill>
+          <a:ln w="19050">
+            <a:noFill/>
+            <a:headEnd type="none" w="med" len="med"/>
+            <a:tailEnd type="none" w="med" len="med"/>
+          </a:ln>
+        </p:spPr>
+        <p:style>
+          <a:lnRef idx="1">
+            <a:schemeClr val="accent1"/>
+          </a:lnRef>
+          <a:fillRef idx="0">
+            <a:schemeClr val="accent1"/>
+          </a:fillRef>
+          <a:effectRef idx="0">
+            <a:schemeClr val="accent1"/>
+          </a:effectRef>
+          <a:fontRef idx="minor">
+            <a:schemeClr val="tx1"/>
+          </a:fontRef>
+        </p:style>
+        <p:txBody>
+          <a:bodyPr rtlCol="0" anchor="ctr"/>
+          <a:lstStyle/>
+          <a:p>
+            <a:pPr algn="ctr"/>
+            <a:r>
+              <a:rPr lang="ja-JP" altLang="en-US" sz="2400" b="1" dirty="0">
+                <a:solidFill>
+                  <a:schemeClr val="bg1"/>
+                </a:solidFill>
+              </a:rPr>
+              <a:t>水</a:t>
+            </a:r>
+            <a:r>
+              <a:rPr kumimoji="1" lang="en-US" altLang="ja-JP" sz="2400" b="1" dirty="0">
+                <a:solidFill>
+                  <a:schemeClr val="bg1"/>
+                </a:solidFill>
+              </a:rPr>
+              <a:t>@</a:t>
+            </a:r>
+            <a:r>
+              <a:rPr lang="ja-JP" altLang="en-US" sz="2400" b="1" dirty="0">
+                <a:solidFill>
+                  <a:schemeClr val="bg1"/>
+                </a:solidFill>
+              </a:rPr>
+              <a:t>地表</a:t>
+            </a:r>
+            <a:endParaRPr kumimoji="1" lang="ja-JP" altLang="en-US" sz="2400" b="1" dirty="0">
+              <a:solidFill>
+                <a:schemeClr val="bg1"/>
               </a:solidFill>
             </a:endParaRPr>
           </a:p>
@@ -11879,8 +12091,8 @@
         </p:nvSpPr>
         <p:spPr>
           <a:xfrm rot="16200000">
-            <a:off x="6326953" y="2283812"/>
-            <a:ext cx="2639388" cy="3651486"/>
+            <a:off x="6464501" y="2421360"/>
+            <a:ext cx="2639388" cy="3376390"/>
           </a:xfrm>
           <a:prstGeom prst="bentUpArrow">
             <a:avLst>
@@ -12197,14 +12409,6 @@
               <a:t>生産設備</a:t>
             </a:r>
             <a:endParaRPr kumimoji="1" lang="en-US" altLang="ja-JP" sz="2400" b="1" dirty="0"/>
-          </a:p>
-          <a:p>
-            <a:pPr algn="ctr"/>
-            <a:r>
-              <a:rPr lang="ja-JP" altLang="en-US" sz="2400" b="1" dirty="0"/>
-              <a:t>セパレーター</a:t>
-            </a:r>
-            <a:endParaRPr kumimoji="1" lang="ja-JP" altLang="en-US" sz="2400" b="1" dirty="0"/>
           </a:p>
         </p:txBody>
       </p:sp>
@@ -13977,8 +14181,8 @@
           <a:chExt cx="0" cy="0"/>
         </a:xfrm>
       </p:grpSpPr>
-      <mc:AlternateContent xmlns:mc="http://schemas.openxmlformats.org/markup-compatibility/2006">
-        <mc:Choice xmlns:a14="http://schemas.microsoft.com/office/drawing/2010/main" Requires="a14">
+      <mc:AlternateContent xmlns:mc="http://schemas.openxmlformats.org/markup-compatibility/2006" xmlns:a14="http://schemas.microsoft.com/office/drawing/2010/main">
+        <mc:Choice Requires="a14">
           <p:sp>
             <p:nvSpPr>
               <p:cNvPr id="2" name="コンテンツ プレースホルダー 1">
@@ -14053,7 +14257,7 @@
             </p:txBody>
           </p:sp>
         </mc:Choice>
-        <mc:Fallback>
+        <mc:Fallback xmlns="">
           <p:sp>
             <p:nvSpPr>
               <p:cNvPr id="2" name="コンテンツ プレースホルダー 1">
@@ -14331,8 +14535,8 @@
         </p:nvSpPr>
         <p:spPr>
           <a:xfrm rot="16200000">
-            <a:off x="6326953" y="2283812"/>
-            <a:ext cx="2639388" cy="3651486"/>
+            <a:off x="6464502" y="2421361"/>
+            <a:ext cx="2639388" cy="3376388"/>
           </a:xfrm>
           <a:prstGeom prst="bentUpArrow">
             <a:avLst>
